--- a/ApresentacaoFinal.pptx
+++ b/ApresentacaoFinal.pptx
@@ -6,10 +6,13 @@
   </p:sldMasterIdLst>
   <p:sldIdLst>
     <p:sldId id="256" r:id="rId2"/>
-    <p:sldId id="257" r:id="rId3"/>
-    <p:sldId id="258" r:id="rId4"/>
+    <p:sldId id="264" r:id="rId3"/>
+    <p:sldId id="265" r:id="rId4"/>
     <p:sldId id="259" r:id="rId5"/>
-    <p:sldId id="260" r:id="rId6"/>
+    <p:sldId id="266" r:id="rId6"/>
+    <p:sldId id="267" r:id="rId7"/>
+    <p:sldId id="263" r:id="rId8"/>
+    <p:sldId id="262" r:id="rId9"/>
   </p:sldIdLst>
   <p:sldSz cx="12192000" cy="6858000"/>
   <p:notesSz cx="6858000" cy="9144000"/>
@@ -108,6 +111,11 @@
       </a:defRPr>
     </a:lvl9pPr>
   </p:defaultTextStyle>
+  <p:extLst>
+    <p:ext uri="{EFAFB233-063F-42B5-8137-9DF3F51BA10A}">
+      <p15:sldGuideLst xmlns:p15="http://schemas.microsoft.com/office/powerpoint/2012/main"/>
+    </p:ext>
+  </p:extLst>
 </p:presentation>
 </file>
 
@@ -4835,29 +4843,49 @@
       </p:grpSpPr>
       <p:sp>
         <p:nvSpPr>
-          <p:cNvPr id="2" name="Título 1">
+          <p:cNvPr id="3" name="Título 1">
             <a:extLst>
               <a:ext uri="{FF2B5EF4-FFF2-40B4-BE49-F238E27FC236}">
-                <a16:creationId xmlns:a16="http://schemas.microsoft.com/office/drawing/2014/main" id="{4DE28D06-84F2-433E-9B89-AB3F80E85693}"/>
+                <a16:creationId xmlns:a16="http://schemas.microsoft.com/office/drawing/2014/main" id="{7DB4B10E-5202-41DF-89AB-EDB9B78ACFAF}"/>
               </a:ext>
             </a:extLst>
           </p:cNvPr>
-          <p:cNvSpPr>
-            <a:spLocks noGrp="1"/>
-          </p:cNvSpPr>
-          <p:nvPr>
-            <p:ph type="title"/>
-          </p:nvPr>
-        </p:nvSpPr>
-        <p:spPr>
-          <a:xfrm>
-            <a:off x="973394" y="808056"/>
+          <p:cNvSpPr txBox="1">
+            <a:spLocks/>
+          </p:cNvSpPr>
+          <p:nvPr/>
+        </p:nvSpPr>
+        <p:spPr>
+          <a:xfrm>
+            <a:off x="904568" y="598506"/>
             <a:ext cx="10382864" cy="1077229"/>
           </a:xfrm>
+          <a:prstGeom prst="rect">
+            <a:avLst/>
+          </a:prstGeom>
         </p:spPr>
         <p:txBody>
           <a:bodyPr/>
-          <a:lstStyle/>
+          <a:lstStyle>
+            <a:lvl1pPr algn="r" defTabSz="914400" rtl="0" eaLnBrk="1" latinLnBrk="0" hangingPunct="1">
+              <a:lnSpc>
+                <a:spcPct val="90000"/>
+              </a:lnSpc>
+              <a:spcBef>
+                <a:spcPct val="0"/>
+              </a:spcBef>
+              <a:buNone/>
+              <a:defRPr sz="3400" b="0" i="0" kern="1200" cap="none">
+                <a:solidFill>
+                  <a:schemeClr val="tx1"/>
+                </a:solidFill>
+                <a:effectLst/>
+                <a:latin typeface="+mj-lt"/>
+                <a:ea typeface="+mj-ea"/>
+                <a:cs typeface="+mj-cs"/>
+              </a:defRPr>
+            </a:lvl1pPr>
+          </a:lstStyle>
           <a:p>
             <a:pPr algn="ctr"/>
             <a:r>
@@ -4865,6 +4893,7 @@
                 <a:solidFill>
                   <a:srgbClr val="CDDDF0"/>
                 </a:solidFill>
+                <a:latin typeface="Arial Black" panose="020B0A04020102020204" pitchFamily="34" charset="0"/>
               </a:rPr>
               <a:t>MOTIVAÇÕES</a:t>
             </a:r>
@@ -4873,38 +4902,276 @@
       </p:sp>
       <p:sp>
         <p:nvSpPr>
-          <p:cNvPr id="3" name="Marcador de Posição de Conteúdo 2">
+          <p:cNvPr id="4" name="Marcador de Posição de Conteúdo 2">
             <a:extLst>
               <a:ext uri="{FF2B5EF4-FFF2-40B4-BE49-F238E27FC236}">
-                <a16:creationId xmlns:a16="http://schemas.microsoft.com/office/drawing/2014/main" id="{77E9E0A0-D15A-4196-B899-E3C272267ABC}"/>
+                <a16:creationId xmlns:a16="http://schemas.microsoft.com/office/drawing/2014/main" id="{7FF3EB22-2D56-4042-B624-E0ADF49FF7CA}"/>
               </a:ext>
             </a:extLst>
           </p:cNvPr>
-          <p:cNvSpPr>
-            <a:spLocks noGrp="1"/>
-          </p:cNvSpPr>
-          <p:nvPr>
-            <p:ph idx="1"/>
-          </p:nvPr>
-        </p:nvSpPr>
-        <p:spPr>
-          <a:xfrm>
-            <a:off x="973394" y="2052116"/>
-            <a:ext cx="10382864" cy="3997828"/>
-          </a:xfrm>
-        </p:spPr>
-        <p:txBody>
-          <a:bodyPr/>
-          <a:lstStyle/>
-          <a:p>
-            <a:r>
-              <a:rPr lang="pt-PT" dirty="0"/>
+          <p:cNvSpPr txBox="1">
+            <a:spLocks/>
+          </p:cNvSpPr>
+          <p:nvPr/>
+        </p:nvSpPr>
+        <p:spPr>
+          <a:xfrm>
+            <a:off x="1083085" y="1675735"/>
+            <a:ext cx="8715682" cy="1904404"/>
+          </a:xfrm>
+          <a:prstGeom prst="rect">
+            <a:avLst/>
+          </a:prstGeom>
+        </p:spPr>
+        <p:txBody>
+          <a:bodyPr>
+            <a:normAutofit/>
+          </a:bodyPr>
+          <a:lstStyle>
+            <a:lvl1pPr marL="344488" indent="-338328" algn="l" defTabSz="914400" rtl="0" eaLnBrk="1" latinLnBrk="0" hangingPunct="1">
+              <a:lnSpc>
+                <a:spcPct val="120000"/>
+              </a:lnSpc>
+              <a:spcBef>
+                <a:spcPts val="500"/>
+              </a:spcBef>
+              <a:spcAft>
+                <a:spcPts val="600"/>
+              </a:spcAft>
+              <a:buClr>
+                <a:schemeClr val="accent6"/>
+              </a:buClr>
+              <a:buSzPct val="90000"/>
+              <a:buFont typeface="Wingdings" panose="05000000000000000000" pitchFamily="2" charset="2"/>
+              <a:buChar char="§"/>
+              <a:defRPr sz="2000" kern="1200">
+                <a:solidFill>
+                  <a:schemeClr val="tx1"/>
+                </a:solidFill>
+                <a:effectLst/>
+                <a:latin typeface="+mn-lt"/>
+                <a:ea typeface="+mn-ea"/>
+                <a:cs typeface="+mn-cs"/>
+              </a:defRPr>
+            </a:lvl1pPr>
+            <a:lvl2pPr marL="795338" indent="-338328" algn="l" defTabSz="914400" rtl="0" eaLnBrk="1" latinLnBrk="0" hangingPunct="1">
+              <a:lnSpc>
+                <a:spcPct val="120000"/>
+              </a:lnSpc>
+              <a:spcBef>
+                <a:spcPts val="500"/>
+              </a:spcBef>
+              <a:spcAft>
+                <a:spcPts val="600"/>
+              </a:spcAft>
+              <a:buClr>
+                <a:schemeClr val="accent6"/>
+              </a:buClr>
+              <a:buSzPct val="90000"/>
+              <a:buFont typeface="Wingdings" panose="05000000000000000000" pitchFamily="2" charset="2"/>
+              <a:buChar char="§"/>
+              <a:defRPr sz="1800" kern="1200">
+                <a:solidFill>
+                  <a:schemeClr val="tx1"/>
+                </a:solidFill>
+                <a:effectLst/>
+                <a:latin typeface="+mn-lt"/>
+                <a:ea typeface="+mn-ea"/>
+                <a:cs typeface="+mn-cs"/>
+              </a:defRPr>
+            </a:lvl2pPr>
+            <a:lvl3pPr marL="1258888" indent="-338328" algn="l" defTabSz="914400" rtl="0" eaLnBrk="1" latinLnBrk="0" hangingPunct="1">
+              <a:lnSpc>
+                <a:spcPct val="120000"/>
+              </a:lnSpc>
+              <a:spcBef>
+                <a:spcPts val="500"/>
+              </a:spcBef>
+              <a:spcAft>
+                <a:spcPts val="600"/>
+              </a:spcAft>
+              <a:buClr>
+                <a:schemeClr val="accent6"/>
+              </a:buClr>
+              <a:buSzPct val="90000"/>
+              <a:buFont typeface="Wingdings" panose="05000000000000000000" pitchFamily="2" charset="2"/>
+              <a:buChar char="§"/>
+              <a:defRPr sz="1600" kern="1200">
+                <a:solidFill>
+                  <a:schemeClr val="tx1"/>
+                </a:solidFill>
+                <a:effectLst/>
+                <a:latin typeface="+mn-lt"/>
+                <a:ea typeface="+mn-ea"/>
+                <a:cs typeface="+mn-cs"/>
+              </a:defRPr>
+            </a:lvl3pPr>
+            <a:lvl4pPr marL="1709738" indent="-338328" algn="l" defTabSz="914400" rtl="0" eaLnBrk="1" latinLnBrk="0" hangingPunct="1">
+              <a:lnSpc>
+                <a:spcPct val="120000"/>
+              </a:lnSpc>
+              <a:spcBef>
+                <a:spcPts val="500"/>
+              </a:spcBef>
+              <a:spcAft>
+                <a:spcPts val="600"/>
+              </a:spcAft>
+              <a:buClr>
+                <a:schemeClr val="accent6"/>
+              </a:buClr>
+              <a:buSzPct val="90000"/>
+              <a:buFont typeface="Wingdings" panose="05000000000000000000" pitchFamily="2" charset="2"/>
+              <a:buChar char="§"/>
+              <a:defRPr sz="1400" kern="1200">
+                <a:solidFill>
+                  <a:schemeClr val="tx1"/>
+                </a:solidFill>
+                <a:effectLst/>
+                <a:latin typeface="+mn-lt"/>
+                <a:ea typeface="+mn-ea"/>
+                <a:cs typeface="+mn-cs"/>
+              </a:defRPr>
+            </a:lvl4pPr>
+            <a:lvl5pPr marL="2173288" indent="-338328" algn="l" defTabSz="914400" rtl="0" eaLnBrk="1" latinLnBrk="0" hangingPunct="1">
+              <a:lnSpc>
+                <a:spcPct val="120000"/>
+              </a:lnSpc>
+              <a:spcBef>
+                <a:spcPts val="500"/>
+              </a:spcBef>
+              <a:spcAft>
+                <a:spcPts val="600"/>
+              </a:spcAft>
+              <a:buClr>
+                <a:schemeClr val="accent6"/>
+              </a:buClr>
+              <a:buSzPct val="90000"/>
+              <a:buFont typeface="Wingdings" panose="05000000000000000000" pitchFamily="2" charset="2"/>
+              <a:buChar char="§"/>
+              <a:defRPr sz="1200" kern="1200">
+                <a:solidFill>
+                  <a:schemeClr val="tx1"/>
+                </a:solidFill>
+                <a:effectLst/>
+                <a:latin typeface="+mn-lt"/>
+                <a:ea typeface="+mn-ea"/>
+                <a:cs typeface="+mn-cs"/>
+              </a:defRPr>
+            </a:lvl5pPr>
+            <a:lvl6pPr marL="2642616" indent="-338328" algn="l" defTabSz="914400" rtl="0" eaLnBrk="1" latinLnBrk="0" hangingPunct="1">
+              <a:lnSpc>
+                <a:spcPct val="120000"/>
+              </a:lnSpc>
+              <a:spcBef>
+                <a:spcPts val="500"/>
+              </a:spcBef>
+              <a:spcAft>
+                <a:spcPts val="600"/>
+              </a:spcAft>
+              <a:buClr>
+                <a:schemeClr val="accent6"/>
+              </a:buClr>
+              <a:buSzPct val="90000"/>
+              <a:buFont typeface="Wingdings" panose="05000000000000000000" pitchFamily="2" charset="2"/>
+              <a:buChar char="§"/>
+              <a:defRPr sz="1200" kern="1200">
+                <a:solidFill>
+                  <a:schemeClr val="tx1"/>
+                </a:solidFill>
+                <a:effectLst/>
+                <a:latin typeface="+mn-lt"/>
+                <a:ea typeface="+mn-ea"/>
+                <a:cs typeface="+mn-cs"/>
+              </a:defRPr>
+            </a:lvl6pPr>
+            <a:lvl7pPr marL="3108960" indent="-338328" algn="l" defTabSz="914400" rtl="0" eaLnBrk="1" latinLnBrk="0" hangingPunct="1">
+              <a:lnSpc>
+                <a:spcPct val="120000"/>
+              </a:lnSpc>
+              <a:spcBef>
+                <a:spcPts val="500"/>
+              </a:spcBef>
+              <a:spcAft>
+                <a:spcPts val="600"/>
+              </a:spcAft>
+              <a:buClr>
+                <a:schemeClr val="accent6"/>
+              </a:buClr>
+              <a:buSzPct val="90000"/>
+              <a:buFont typeface="Wingdings" panose="05000000000000000000" pitchFamily="2" charset="2"/>
+              <a:buChar char="§"/>
+              <a:defRPr sz="1200" kern="1200">
+                <a:solidFill>
+                  <a:schemeClr val="tx1"/>
+                </a:solidFill>
+                <a:effectLst/>
+                <a:latin typeface="+mn-lt"/>
+                <a:ea typeface="+mn-ea"/>
+                <a:cs typeface="+mn-cs"/>
+              </a:defRPr>
+            </a:lvl7pPr>
+            <a:lvl8pPr marL="3575304" indent="-338328" algn="l" defTabSz="914400" rtl="0" eaLnBrk="1" latinLnBrk="0" hangingPunct="1">
+              <a:lnSpc>
+                <a:spcPct val="120000"/>
+              </a:lnSpc>
+              <a:spcBef>
+                <a:spcPts val="500"/>
+              </a:spcBef>
+              <a:spcAft>
+                <a:spcPts val="600"/>
+              </a:spcAft>
+              <a:buClr>
+                <a:schemeClr val="accent6"/>
+              </a:buClr>
+              <a:buSzPct val="90000"/>
+              <a:buFont typeface="Wingdings" panose="05000000000000000000" pitchFamily="2" charset="2"/>
+              <a:buChar char="§"/>
+              <a:defRPr sz="1200" kern="1200">
+                <a:solidFill>
+                  <a:schemeClr val="tx1"/>
+                </a:solidFill>
+                <a:effectLst/>
+                <a:latin typeface="+mn-lt"/>
+                <a:ea typeface="+mn-ea"/>
+                <a:cs typeface="+mn-cs"/>
+              </a:defRPr>
+            </a:lvl8pPr>
+            <a:lvl9pPr marL="4041648" indent="-338328" algn="l" defTabSz="914400" rtl="0" eaLnBrk="1" latinLnBrk="0" hangingPunct="1">
+              <a:lnSpc>
+                <a:spcPct val="120000"/>
+              </a:lnSpc>
+              <a:spcBef>
+                <a:spcPts val="500"/>
+              </a:spcBef>
+              <a:spcAft>
+                <a:spcPts val="600"/>
+              </a:spcAft>
+              <a:buClr>
+                <a:schemeClr val="accent6"/>
+              </a:buClr>
+              <a:buSzPct val="90000"/>
+              <a:buFont typeface="Wingdings" panose="05000000000000000000" pitchFamily="2" charset="2"/>
+              <a:buChar char="§"/>
+              <a:defRPr sz="1200" kern="1200">
+                <a:solidFill>
+                  <a:schemeClr val="tx1"/>
+                </a:solidFill>
+                <a:effectLst/>
+                <a:latin typeface="+mn-lt"/>
+                <a:ea typeface="+mn-ea"/>
+                <a:cs typeface="+mn-cs"/>
+              </a:defRPr>
+            </a:lvl9pPr>
+          </a:lstStyle>
+          <a:p>
+            <a:r>
+              <a:rPr lang="pt-PT" sz="2400" dirty="0"/>
               <a:t>Planear atempadamente as atividades internas</a:t>
             </a:r>
           </a:p>
           <a:p>
             <a:r>
-              <a:rPr lang="pt-PT" dirty="0"/>
+              <a:rPr lang="pt-PT" sz="2400" dirty="0"/>
               <a:t>Coordenar os recursos, para alcançar uma boa dinâmica de atividades</a:t>
             </a:r>
           </a:p>
@@ -4913,7 +5180,7 @@
     </p:spTree>
     <p:extLst>
       <p:ext uri="{BB962C8B-B14F-4D97-AF65-F5344CB8AC3E}">
-        <p14:creationId xmlns:p14="http://schemas.microsoft.com/office/powerpoint/2010/main" val="472181288"/>
+        <p14:creationId xmlns:p14="http://schemas.microsoft.com/office/powerpoint/2010/main" val="1558539186"/>
       </p:ext>
     </p:extLst>
   </p:cSld>
@@ -4945,26 +5212,46 @@
           <p:cNvPr id="2" name="Título 1">
             <a:extLst>
               <a:ext uri="{FF2B5EF4-FFF2-40B4-BE49-F238E27FC236}">
-                <a16:creationId xmlns:a16="http://schemas.microsoft.com/office/drawing/2014/main" id="{20BD6E7C-B9FD-440A-89A3-C06D431174F9}"/>
+                <a16:creationId xmlns:a16="http://schemas.microsoft.com/office/drawing/2014/main" id="{1FE14153-86ED-4FA2-AC1D-2F34F9F6F4AF}"/>
               </a:ext>
             </a:extLst>
           </p:cNvPr>
-          <p:cNvSpPr>
-            <a:spLocks noGrp="1"/>
-          </p:cNvSpPr>
-          <p:nvPr>
-            <p:ph type="title"/>
-          </p:nvPr>
-        </p:nvSpPr>
-        <p:spPr>
-          <a:xfrm>
-            <a:off x="1002890" y="808056"/>
+          <p:cNvSpPr txBox="1">
+            <a:spLocks/>
+          </p:cNvSpPr>
+          <p:nvPr/>
+        </p:nvSpPr>
+        <p:spPr>
+          <a:xfrm>
+            <a:off x="919316" y="706456"/>
             <a:ext cx="10353368" cy="1077229"/>
           </a:xfrm>
+          <a:prstGeom prst="rect">
+            <a:avLst/>
+          </a:prstGeom>
         </p:spPr>
         <p:txBody>
           <a:bodyPr/>
-          <a:lstStyle/>
+          <a:lstStyle>
+            <a:lvl1pPr algn="r" defTabSz="914400" rtl="0" eaLnBrk="1" latinLnBrk="0" hangingPunct="1">
+              <a:lnSpc>
+                <a:spcPct val="90000"/>
+              </a:lnSpc>
+              <a:spcBef>
+                <a:spcPct val="0"/>
+              </a:spcBef>
+              <a:buNone/>
+              <a:defRPr sz="3400" b="0" i="0" kern="1200" cap="none">
+                <a:solidFill>
+                  <a:schemeClr val="tx1"/>
+                </a:solidFill>
+                <a:effectLst/>
+                <a:latin typeface="+mj-lt"/>
+                <a:ea typeface="+mj-ea"/>
+                <a:cs typeface="+mj-cs"/>
+              </a:defRPr>
+            </a:lvl1pPr>
+          </a:lstStyle>
           <a:p>
             <a:pPr algn="ctr"/>
             <a:r>
@@ -4972,6 +5259,7 @@
                 <a:solidFill>
                   <a:srgbClr val="CDDDF0"/>
                 </a:solidFill>
+                <a:latin typeface="Arial Black" panose="020B0A04020102020204" pitchFamily="34" charset="0"/>
               </a:rPr>
               <a:t>OBJETIVOS</a:t>
             </a:r>
@@ -4983,71 +5271,309 @@
           <p:cNvPr id="3" name="Marcador de Posição de Conteúdo 2">
             <a:extLst>
               <a:ext uri="{FF2B5EF4-FFF2-40B4-BE49-F238E27FC236}">
-                <a16:creationId xmlns:a16="http://schemas.microsoft.com/office/drawing/2014/main" id="{D18FA2E7-817D-46E6-886B-A4F1488411AC}"/>
+                <a16:creationId xmlns:a16="http://schemas.microsoft.com/office/drawing/2014/main" id="{B126C521-1360-4DA5-B655-FF42B199CBD0}"/>
               </a:ext>
             </a:extLst>
           </p:cNvPr>
-          <p:cNvSpPr>
-            <a:spLocks noGrp="1"/>
-          </p:cNvSpPr>
-          <p:nvPr>
-            <p:ph idx="1"/>
-          </p:nvPr>
-        </p:nvSpPr>
-        <p:spPr>
-          <a:xfrm>
-            <a:off x="1002890" y="1885285"/>
+          <p:cNvSpPr txBox="1">
+            <a:spLocks/>
+          </p:cNvSpPr>
+          <p:nvPr/>
+        </p:nvSpPr>
+        <p:spPr>
+          <a:xfrm>
+            <a:off x="1104490" y="1558630"/>
             <a:ext cx="10353368" cy="3997828"/>
           </a:xfrm>
-        </p:spPr>
-        <p:txBody>
-          <a:bodyPr/>
-          <a:lstStyle/>
-          <a:p>
-            <a:r>
-              <a:rPr lang="pt-PT" b="1" dirty="0"/>
+          <a:prstGeom prst="rect">
+            <a:avLst/>
+          </a:prstGeom>
+        </p:spPr>
+        <p:txBody>
+          <a:bodyPr>
+            <a:normAutofit lnSpcReduction="10000"/>
+          </a:bodyPr>
+          <a:lstStyle>
+            <a:lvl1pPr marL="344488" indent="-338328" algn="l" defTabSz="914400" rtl="0" eaLnBrk="1" latinLnBrk="0" hangingPunct="1">
+              <a:lnSpc>
+                <a:spcPct val="120000"/>
+              </a:lnSpc>
+              <a:spcBef>
+                <a:spcPts val="500"/>
+              </a:spcBef>
+              <a:spcAft>
+                <a:spcPts val="600"/>
+              </a:spcAft>
+              <a:buClr>
+                <a:schemeClr val="accent6"/>
+              </a:buClr>
+              <a:buSzPct val="90000"/>
+              <a:buFont typeface="Wingdings" panose="05000000000000000000" pitchFamily="2" charset="2"/>
+              <a:buChar char="§"/>
+              <a:defRPr sz="2000" kern="1200">
+                <a:solidFill>
+                  <a:schemeClr val="tx1"/>
+                </a:solidFill>
+                <a:effectLst/>
+                <a:latin typeface="+mn-lt"/>
+                <a:ea typeface="+mn-ea"/>
+                <a:cs typeface="+mn-cs"/>
+              </a:defRPr>
+            </a:lvl1pPr>
+            <a:lvl2pPr marL="795338" indent="-338328" algn="l" defTabSz="914400" rtl="0" eaLnBrk="1" latinLnBrk="0" hangingPunct="1">
+              <a:lnSpc>
+                <a:spcPct val="120000"/>
+              </a:lnSpc>
+              <a:spcBef>
+                <a:spcPts val="500"/>
+              </a:spcBef>
+              <a:spcAft>
+                <a:spcPts val="600"/>
+              </a:spcAft>
+              <a:buClr>
+                <a:schemeClr val="accent6"/>
+              </a:buClr>
+              <a:buSzPct val="90000"/>
+              <a:buFont typeface="Wingdings" panose="05000000000000000000" pitchFamily="2" charset="2"/>
+              <a:buChar char="§"/>
+              <a:defRPr sz="1800" kern="1200">
+                <a:solidFill>
+                  <a:schemeClr val="tx1"/>
+                </a:solidFill>
+                <a:effectLst/>
+                <a:latin typeface="+mn-lt"/>
+                <a:ea typeface="+mn-ea"/>
+                <a:cs typeface="+mn-cs"/>
+              </a:defRPr>
+            </a:lvl2pPr>
+            <a:lvl3pPr marL="1258888" indent="-338328" algn="l" defTabSz="914400" rtl="0" eaLnBrk="1" latinLnBrk="0" hangingPunct="1">
+              <a:lnSpc>
+                <a:spcPct val="120000"/>
+              </a:lnSpc>
+              <a:spcBef>
+                <a:spcPts val="500"/>
+              </a:spcBef>
+              <a:spcAft>
+                <a:spcPts val="600"/>
+              </a:spcAft>
+              <a:buClr>
+                <a:schemeClr val="accent6"/>
+              </a:buClr>
+              <a:buSzPct val="90000"/>
+              <a:buFont typeface="Wingdings" panose="05000000000000000000" pitchFamily="2" charset="2"/>
+              <a:buChar char="§"/>
+              <a:defRPr sz="1600" kern="1200">
+                <a:solidFill>
+                  <a:schemeClr val="tx1"/>
+                </a:solidFill>
+                <a:effectLst/>
+                <a:latin typeface="+mn-lt"/>
+                <a:ea typeface="+mn-ea"/>
+                <a:cs typeface="+mn-cs"/>
+              </a:defRPr>
+            </a:lvl3pPr>
+            <a:lvl4pPr marL="1709738" indent="-338328" algn="l" defTabSz="914400" rtl="0" eaLnBrk="1" latinLnBrk="0" hangingPunct="1">
+              <a:lnSpc>
+                <a:spcPct val="120000"/>
+              </a:lnSpc>
+              <a:spcBef>
+                <a:spcPts val="500"/>
+              </a:spcBef>
+              <a:spcAft>
+                <a:spcPts val="600"/>
+              </a:spcAft>
+              <a:buClr>
+                <a:schemeClr val="accent6"/>
+              </a:buClr>
+              <a:buSzPct val="90000"/>
+              <a:buFont typeface="Wingdings" panose="05000000000000000000" pitchFamily="2" charset="2"/>
+              <a:buChar char="§"/>
+              <a:defRPr sz="1400" kern="1200">
+                <a:solidFill>
+                  <a:schemeClr val="tx1"/>
+                </a:solidFill>
+                <a:effectLst/>
+                <a:latin typeface="+mn-lt"/>
+                <a:ea typeface="+mn-ea"/>
+                <a:cs typeface="+mn-cs"/>
+              </a:defRPr>
+            </a:lvl4pPr>
+            <a:lvl5pPr marL="2173288" indent="-338328" algn="l" defTabSz="914400" rtl="0" eaLnBrk="1" latinLnBrk="0" hangingPunct="1">
+              <a:lnSpc>
+                <a:spcPct val="120000"/>
+              </a:lnSpc>
+              <a:spcBef>
+                <a:spcPts val="500"/>
+              </a:spcBef>
+              <a:spcAft>
+                <a:spcPts val="600"/>
+              </a:spcAft>
+              <a:buClr>
+                <a:schemeClr val="accent6"/>
+              </a:buClr>
+              <a:buSzPct val="90000"/>
+              <a:buFont typeface="Wingdings" panose="05000000000000000000" pitchFamily="2" charset="2"/>
+              <a:buChar char="§"/>
+              <a:defRPr sz="1200" kern="1200">
+                <a:solidFill>
+                  <a:schemeClr val="tx1"/>
+                </a:solidFill>
+                <a:effectLst/>
+                <a:latin typeface="+mn-lt"/>
+                <a:ea typeface="+mn-ea"/>
+                <a:cs typeface="+mn-cs"/>
+              </a:defRPr>
+            </a:lvl5pPr>
+            <a:lvl6pPr marL="2642616" indent="-338328" algn="l" defTabSz="914400" rtl="0" eaLnBrk="1" latinLnBrk="0" hangingPunct="1">
+              <a:lnSpc>
+                <a:spcPct val="120000"/>
+              </a:lnSpc>
+              <a:spcBef>
+                <a:spcPts val="500"/>
+              </a:spcBef>
+              <a:spcAft>
+                <a:spcPts val="600"/>
+              </a:spcAft>
+              <a:buClr>
+                <a:schemeClr val="accent6"/>
+              </a:buClr>
+              <a:buSzPct val="90000"/>
+              <a:buFont typeface="Wingdings" panose="05000000000000000000" pitchFamily="2" charset="2"/>
+              <a:buChar char="§"/>
+              <a:defRPr sz="1200" kern="1200">
+                <a:solidFill>
+                  <a:schemeClr val="tx1"/>
+                </a:solidFill>
+                <a:effectLst/>
+                <a:latin typeface="+mn-lt"/>
+                <a:ea typeface="+mn-ea"/>
+                <a:cs typeface="+mn-cs"/>
+              </a:defRPr>
+            </a:lvl6pPr>
+            <a:lvl7pPr marL="3108960" indent="-338328" algn="l" defTabSz="914400" rtl="0" eaLnBrk="1" latinLnBrk="0" hangingPunct="1">
+              <a:lnSpc>
+                <a:spcPct val="120000"/>
+              </a:lnSpc>
+              <a:spcBef>
+                <a:spcPts val="500"/>
+              </a:spcBef>
+              <a:spcAft>
+                <a:spcPts val="600"/>
+              </a:spcAft>
+              <a:buClr>
+                <a:schemeClr val="accent6"/>
+              </a:buClr>
+              <a:buSzPct val="90000"/>
+              <a:buFont typeface="Wingdings" panose="05000000000000000000" pitchFamily="2" charset="2"/>
+              <a:buChar char="§"/>
+              <a:defRPr sz="1200" kern="1200">
+                <a:solidFill>
+                  <a:schemeClr val="tx1"/>
+                </a:solidFill>
+                <a:effectLst/>
+                <a:latin typeface="+mn-lt"/>
+                <a:ea typeface="+mn-ea"/>
+                <a:cs typeface="+mn-cs"/>
+              </a:defRPr>
+            </a:lvl7pPr>
+            <a:lvl8pPr marL="3575304" indent="-338328" algn="l" defTabSz="914400" rtl="0" eaLnBrk="1" latinLnBrk="0" hangingPunct="1">
+              <a:lnSpc>
+                <a:spcPct val="120000"/>
+              </a:lnSpc>
+              <a:spcBef>
+                <a:spcPts val="500"/>
+              </a:spcBef>
+              <a:spcAft>
+                <a:spcPts val="600"/>
+              </a:spcAft>
+              <a:buClr>
+                <a:schemeClr val="accent6"/>
+              </a:buClr>
+              <a:buSzPct val="90000"/>
+              <a:buFont typeface="Wingdings" panose="05000000000000000000" pitchFamily="2" charset="2"/>
+              <a:buChar char="§"/>
+              <a:defRPr sz="1200" kern="1200">
+                <a:solidFill>
+                  <a:schemeClr val="tx1"/>
+                </a:solidFill>
+                <a:effectLst/>
+                <a:latin typeface="+mn-lt"/>
+                <a:ea typeface="+mn-ea"/>
+                <a:cs typeface="+mn-cs"/>
+              </a:defRPr>
+            </a:lvl8pPr>
+            <a:lvl9pPr marL="4041648" indent="-338328" algn="l" defTabSz="914400" rtl="0" eaLnBrk="1" latinLnBrk="0" hangingPunct="1">
+              <a:lnSpc>
+                <a:spcPct val="120000"/>
+              </a:lnSpc>
+              <a:spcBef>
+                <a:spcPts val="500"/>
+              </a:spcBef>
+              <a:spcAft>
+                <a:spcPts val="600"/>
+              </a:spcAft>
+              <a:buClr>
+                <a:schemeClr val="accent6"/>
+              </a:buClr>
+              <a:buSzPct val="90000"/>
+              <a:buFont typeface="Wingdings" panose="05000000000000000000" pitchFamily="2" charset="2"/>
+              <a:buChar char="§"/>
+              <a:defRPr sz="1200" kern="1200">
+                <a:solidFill>
+                  <a:schemeClr val="tx1"/>
+                </a:solidFill>
+                <a:effectLst/>
+                <a:latin typeface="+mn-lt"/>
+                <a:ea typeface="+mn-ea"/>
+                <a:cs typeface="+mn-cs"/>
+              </a:defRPr>
+            </a:lvl9pPr>
+          </a:lstStyle>
+          <a:p>
+            <a:r>
+              <a:rPr lang="pt-PT" sz="2400" b="1" dirty="0"/>
               <a:t>Gestão das atividades internas de uma empresa através de:</a:t>
             </a:r>
           </a:p>
           <a:p>
             <a:pPr lvl="1"/>
             <a:r>
-              <a:rPr lang="pt-PT" dirty="0"/>
+              <a:rPr lang="pt-PT" sz="2000" dirty="0"/>
               <a:t>Criação e edição de necessidades</a:t>
             </a:r>
           </a:p>
           <a:p>
             <a:pPr lvl="1"/>
             <a:r>
-              <a:rPr lang="pt-PT" dirty="0"/>
+              <a:rPr lang="pt-PT" sz="2000" dirty="0"/>
               <a:t>Associação de recursos (partilha de localização, refeições, alojamento e transporte)</a:t>
             </a:r>
           </a:p>
           <a:p>
             <a:pPr lvl="1"/>
             <a:r>
-              <a:rPr lang="pt-PT" dirty="0"/>
+              <a:rPr lang="pt-PT" sz="2000" dirty="0"/>
               <a:t>Registo de candidaturas e presenças</a:t>
             </a:r>
           </a:p>
           <a:p>
             <a:pPr lvl="1"/>
             <a:r>
-              <a:rPr lang="pt-PT" dirty="0"/>
+              <a:rPr lang="pt-PT" sz="2000" dirty="0"/>
               <a:t>Calendarização das necessidades</a:t>
             </a:r>
           </a:p>
           <a:p>
             <a:pPr lvl="1"/>
             <a:r>
-              <a:rPr lang="pt-PT" dirty="0"/>
+              <a:rPr lang="pt-PT" sz="2000" dirty="0"/>
               <a:t>Divulgação de comunicados </a:t>
             </a:r>
           </a:p>
           <a:p>
             <a:pPr lvl="1"/>
             <a:r>
-              <a:rPr lang="pt-PT" dirty="0"/>
+              <a:rPr lang="pt-PT" sz="2000" dirty="0"/>
               <a:t>Sistema de notificações </a:t>
             </a:r>
           </a:p>
@@ -5063,7 +5589,7 @@
     </p:spTree>
     <p:extLst>
       <p:ext uri="{BB962C8B-B14F-4D97-AF65-F5344CB8AC3E}">
-        <p14:creationId xmlns:p14="http://schemas.microsoft.com/office/powerpoint/2010/main" val="1264828865"/>
+        <p14:creationId xmlns:p14="http://schemas.microsoft.com/office/powerpoint/2010/main" val="3291164818"/>
       </p:ext>
     </p:extLst>
   </p:cSld>
@@ -5450,7 +5976,7 @@
         </p:nvSpPr>
         <p:spPr>
           <a:xfrm>
-            <a:off x="913082" y="513987"/>
+            <a:off x="914149" y="513987"/>
             <a:ext cx="10363702" cy="1077229"/>
           </a:xfrm>
         </p:spPr>
@@ -5466,6 +5992,7 @@
                 <a:solidFill>
                   <a:srgbClr val="CDDDF0"/>
                 </a:solidFill>
+                <a:latin typeface="Arial Black" panose="020B0A04020102020204" pitchFamily="34" charset="0"/>
               </a:rPr>
               <a:t>ESTADO DA ARTE </a:t>
             </a:r>
@@ -5490,8 +6017,8 @@
         </p:nvSpPr>
         <p:spPr>
           <a:xfrm>
-            <a:off x="1005401" y="2613712"/>
-            <a:ext cx="6958556" cy="2165411"/>
+            <a:off x="1161635" y="1337623"/>
+            <a:ext cx="9982850" cy="2800117"/>
           </a:xfrm>
         </p:spPr>
         <p:txBody>
@@ -5501,29 +6028,29 @@
           <a:lstStyle/>
           <a:p>
             <a:r>
-              <a:rPr lang="pt-PT" sz="1800" dirty="0"/>
+              <a:rPr lang="pt-PT" sz="2400" dirty="0"/>
               <a:t>Elevado nível de complexidade</a:t>
             </a:r>
           </a:p>
           <a:p>
             <a:r>
-              <a:rPr lang="pt-PT" sz="1800" dirty="0"/>
+              <a:rPr lang="pt-PT" sz="2400" dirty="0"/>
               <a:t>Ferramentas como calendários partilhados, partilha de ficheiros, mensagens instantâneas, armazenamento na </a:t>
             </a:r>
             <a:r>
-              <a:rPr lang="pt-PT" sz="1800" i="1" dirty="0" err="1"/>
+              <a:rPr lang="pt-PT" sz="2400" i="1" dirty="0" err="1"/>
               <a:t>cloud</a:t>
             </a:r>
             <a:r>
-              <a:rPr lang="pt-PT" sz="1800" i="1" dirty="0"/>
+              <a:rPr lang="pt-PT" sz="2400" i="1" dirty="0"/>
               <a:t>, </a:t>
             </a:r>
             <a:r>
-              <a:rPr lang="pt-PT" sz="1800" dirty="0" err="1"/>
+              <a:rPr lang="pt-PT" sz="2400" dirty="0" err="1"/>
               <a:t>video-conferência</a:t>
             </a:r>
             <a:r>
-              <a:rPr lang="pt-PT" sz="1800" dirty="0"/>
+              <a:rPr lang="pt-PT" sz="2400" dirty="0"/>
               <a:t>, etc.</a:t>
             </a:r>
           </a:p>
@@ -5557,8 +6084,8 @@
         </p:blipFill>
         <p:spPr bwMode="auto">
           <a:xfrm>
-            <a:off x="7973822" y="2049084"/>
-            <a:ext cx="1377197" cy="1377197"/>
+            <a:off x="3443457" y="4488640"/>
+            <a:ext cx="1749090" cy="1749090"/>
           </a:xfrm>
           <a:prstGeom prst="rect">
             <a:avLst/>
@@ -5635,8 +6162,8 @@
         </p:blipFill>
         <p:spPr bwMode="auto">
           <a:xfrm>
-            <a:off x="9611054" y="2049084"/>
-            <a:ext cx="1377197" cy="1377197"/>
+            <a:off x="6016053" y="4481600"/>
+            <a:ext cx="1749090" cy="1749090"/>
           </a:xfrm>
           <a:prstGeom prst="rect">
             <a:avLst/>
@@ -5783,45 +6310,72 @@
           <p:cNvPr id="2" name="Título 1">
             <a:extLst>
               <a:ext uri="{FF2B5EF4-FFF2-40B4-BE49-F238E27FC236}">
-                <a16:creationId xmlns:a16="http://schemas.microsoft.com/office/drawing/2014/main" id="{E3DE8495-0417-49B7-A1BB-58A5FDD2E4AD}"/>
+                <a16:creationId xmlns:a16="http://schemas.microsoft.com/office/drawing/2014/main" id="{8F09B76F-8EC9-49C5-9FF1-397044965BF6}"/>
               </a:ext>
             </a:extLst>
           </p:cNvPr>
-          <p:cNvSpPr>
-            <a:spLocks noGrp="1"/>
-          </p:cNvSpPr>
-          <p:nvPr>
-            <p:ph type="title"/>
-          </p:nvPr>
-        </p:nvSpPr>
-        <p:spPr>
-          <a:xfrm>
-            <a:off x="1020417" y="808056"/>
+          <p:cNvSpPr txBox="1">
+            <a:spLocks/>
+          </p:cNvSpPr>
+          <p:nvPr/>
+        </p:nvSpPr>
+        <p:spPr>
+          <a:xfrm>
+            <a:off x="934279" y="808056"/>
             <a:ext cx="10323443" cy="1077229"/>
           </a:xfrm>
+          <a:prstGeom prst="rect">
+            <a:avLst/>
+          </a:prstGeom>
         </p:spPr>
         <p:txBody>
           <a:bodyPr/>
-          <a:lstStyle/>
+          <a:lstStyle>
+            <a:lvl1pPr algn="r" defTabSz="914400" rtl="0" eaLnBrk="1" latinLnBrk="0" hangingPunct="1">
+              <a:lnSpc>
+                <a:spcPct val="90000"/>
+              </a:lnSpc>
+              <a:spcBef>
+                <a:spcPct val="0"/>
+              </a:spcBef>
+              <a:buNone/>
+              <a:defRPr sz="3400" b="0" i="0" kern="1200" cap="none">
+                <a:solidFill>
+                  <a:schemeClr val="tx1"/>
+                </a:solidFill>
+                <a:effectLst/>
+                <a:latin typeface="+mj-lt"/>
+                <a:ea typeface="+mj-ea"/>
+                <a:cs typeface="+mj-cs"/>
+              </a:defRPr>
+            </a:lvl1pPr>
+          </a:lstStyle>
           <a:p>
             <a:pPr algn="ctr"/>
             <a:r>
-              <a:rPr lang="pt-PT" dirty="0">
+              <a:rPr lang="pt-PT">
                 <a:solidFill>
                   <a:srgbClr val="CDDDF0"/>
                 </a:solidFill>
+                <a:latin typeface="Arial Black" panose="020B0A04020102020204" pitchFamily="34" charset="0"/>
               </a:rPr>
               <a:t>METODOLOGIA - SCRUM</a:t>
             </a:r>
+            <a:endParaRPr lang="pt-PT" dirty="0">
+              <a:solidFill>
+                <a:srgbClr val="CDDDF0"/>
+              </a:solidFill>
+              <a:latin typeface="Arial Black" panose="020B0A04020102020204" pitchFamily="34" charset="0"/>
+            </a:endParaRPr>
           </a:p>
         </p:txBody>
       </p:sp>
       <p:pic>
         <p:nvPicPr>
-          <p:cNvPr id="4" name="Picture 6">
+          <p:cNvPr id="3" name="Picture 6">
             <a:extLst>
               <a:ext uri="{FF2B5EF4-FFF2-40B4-BE49-F238E27FC236}">
-                <a16:creationId xmlns:a16="http://schemas.microsoft.com/office/drawing/2014/main" id="{76FDBE61-25D0-49EF-A429-879B302BDD74}"/>
+                <a16:creationId xmlns:a16="http://schemas.microsoft.com/office/drawing/2014/main" id="{25267A06-24CA-480B-9BB4-0B5034B7253A}"/>
               </a:ext>
             </a:extLst>
           </p:cNvPr>
@@ -5837,18 +6391,467 @@
         </p:blipFill>
         <p:spPr>
           <a:xfrm>
-            <a:off x="1020417" y="1885285"/>
-            <a:ext cx="10323444" cy="4003835"/>
+            <a:off x="1301356" y="1748807"/>
+            <a:ext cx="9780356" cy="4640239"/>
           </a:xfrm>
           <a:prstGeom prst="rect">
             <a:avLst/>
           </a:prstGeom>
+          <a:ln>
+            <a:noFill/>
+          </a:ln>
+          <a:effectLst>
+            <a:outerShdw blurRad="190500" algn="tl" rotWithShape="0">
+              <a:srgbClr val="000000">
+                <a:alpha val="70000"/>
+              </a:srgbClr>
+            </a:outerShdw>
+          </a:effectLst>
         </p:spPr>
       </p:pic>
     </p:spTree>
     <p:extLst>
       <p:ext uri="{BB962C8B-B14F-4D97-AF65-F5344CB8AC3E}">
-        <p14:creationId xmlns:p14="http://schemas.microsoft.com/office/powerpoint/2010/main" val="426946771"/>
+        <p14:creationId xmlns:p14="http://schemas.microsoft.com/office/powerpoint/2010/main" val="2125575271"/>
+      </p:ext>
+    </p:extLst>
+  </p:cSld>
+  <p:clrMapOvr>
+    <a:masterClrMapping/>
+  </p:clrMapOvr>
+</p:sld>
+</file>
+
+<file path=ppt/slides/slide6.xml><?xml version="1.0" encoding="utf-8"?>
+<p:sld xmlns:a="http://schemas.openxmlformats.org/drawingml/2006/main" xmlns:r="http://schemas.openxmlformats.org/officeDocument/2006/relationships" xmlns:p="http://schemas.openxmlformats.org/presentationml/2006/main">
+  <p:cSld>
+    <p:spTree>
+      <p:nvGrpSpPr>
+        <p:cNvPr id="1" name=""/>
+        <p:cNvGrpSpPr/>
+        <p:nvPr/>
+      </p:nvGrpSpPr>
+      <p:grpSpPr>
+        <a:xfrm>
+          <a:off x="0" y="0"/>
+          <a:ext cx="0" cy="0"/>
+          <a:chOff x="0" y="0"/>
+          <a:chExt cx="0" cy="0"/>
+        </a:xfrm>
+      </p:grpSpPr>
+      <p:sp>
+        <p:nvSpPr>
+          <p:cNvPr id="2" name="Título 1">
+            <a:extLst>
+              <a:ext uri="{FF2B5EF4-FFF2-40B4-BE49-F238E27FC236}">
+                <a16:creationId xmlns:a16="http://schemas.microsoft.com/office/drawing/2014/main" id="{7CA3D847-7A53-432C-8FD3-1B5912EA4DB8}"/>
+              </a:ext>
+            </a:extLst>
+          </p:cNvPr>
+          <p:cNvSpPr txBox="1">
+            <a:spLocks/>
+          </p:cNvSpPr>
+          <p:nvPr/>
+        </p:nvSpPr>
+        <p:spPr>
+          <a:xfrm>
+            <a:off x="907773" y="701359"/>
+            <a:ext cx="10376451" cy="1077229"/>
+          </a:xfrm>
+          <a:prstGeom prst="rect">
+            <a:avLst/>
+          </a:prstGeom>
+        </p:spPr>
+        <p:txBody>
+          <a:bodyPr/>
+          <a:lstStyle>
+            <a:lvl1pPr algn="r" defTabSz="914400" rtl="0" eaLnBrk="1" latinLnBrk="0" hangingPunct="1">
+              <a:lnSpc>
+                <a:spcPct val="90000"/>
+              </a:lnSpc>
+              <a:spcBef>
+                <a:spcPct val="0"/>
+              </a:spcBef>
+              <a:buNone/>
+              <a:defRPr sz="3400" b="0" i="0" kern="1200" cap="none">
+                <a:solidFill>
+                  <a:schemeClr val="tx1"/>
+                </a:solidFill>
+                <a:effectLst/>
+                <a:latin typeface="+mj-lt"/>
+                <a:ea typeface="+mj-ea"/>
+                <a:cs typeface="+mj-cs"/>
+              </a:defRPr>
+            </a:lvl1pPr>
+          </a:lstStyle>
+          <a:p>
+            <a:pPr algn="ctr"/>
+            <a:r>
+              <a:rPr lang="pt-PT">
+                <a:solidFill>
+                  <a:srgbClr val="CDDDF0"/>
+                </a:solidFill>
+                <a:latin typeface="Arial Black" panose="020B0A04020102020204" pitchFamily="34" charset="0"/>
+              </a:rPr>
+              <a:t>ARQUITETURA DA SOLUÇÃO – 4LC</a:t>
+            </a:r>
+            <a:endParaRPr lang="pt-PT" dirty="0">
+              <a:solidFill>
+                <a:srgbClr val="CDDDF0"/>
+              </a:solidFill>
+              <a:latin typeface="Arial Black" panose="020B0A04020102020204" pitchFamily="34" charset="0"/>
+            </a:endParaRPr>
+          </a:p>
+        </p:txBody>
+      </p:sp>
+      <p:pic>
+        <p:nvPicPr>
+          <p:cNvPr id="3" name="Marcador de Posição de Conteúdo 9">
+            <a:extLst>
+              <a:ext uri="{FF2B5EF4-FFF2-40B4-BE49-F238E27FC236}">
+                <a16:creationId xmlns:a16="http://schemas.microsoft.com/office/drawing/2014/main" id="{475F2C89-1007-42E4-B5F4-2935A2D3E6FA}"/>
+              </a:ext>
+            </a:extLst>
+          </p:cNvPr>
+          <p:cNvPicPr>
+            <a:picLocks noChangeAspect="1"/>
+          </p:cNvPicPr>
+          <p:nvPr/>
+        </p:nvPicPr>
+        <p:blipFill rotWithShape="1">
+          <a:blip r:embed="rId2"/>
+          <a:srcRect l="1085" t="12782" r="2909" b="72160"/>
+          <a:stretch/>
+        </p:blipFill>
+        <p:spPr>
+          <a:xfrm>
+            <a:off x="1123988" y="1497496"/>
+            <a:ext cx="10160236" cy="1194743"/>
+          </a:xfrm>
+          <a:prstGeom prst="rect">
+            <a:avLst/>
+          </a:prstGeom>
+          <a:ln>
+            <a:noFill/>
+          </a:ln>
+          <a:effectLst>
+            <a:outerShdw blurRad="292100" dist="139700" dir="2700000" algn="tl" rotWithShape="0">
+              <a:srgbClr val="333333">
+                <a:alpha val="65000"/>
+              </a:srgbClr>
+            </a:outerShdw>
+          </a:effectLst>
+        </p:spPr>
+      </p:pic>
+      <p:pic>
+        <p:nvPicPr>
+          <p:cNvPr id="4" name="Marcador de Posição de Conteúdo 9">
+            <a:extLst>
+              <a:ext uri="{FF2B5EF4-FFF2-40B4-BE49-F238E27FC236}">
+                <a16:creationId xmlns:a16="http://schemas.microsoft.com/office/drawing/2014/main" id="{4E2A0B70-4702-4FA9-A9DA-05C6A85DC57E}"/>
+              </a:ext>
+            </a:extLst>
+          </p:cNvPr>
+          <p:cNvPicPr>
+            <a:picLocks noChangeAspect="1"/>
+          </p:cNvPicPr>
+          <p:nvPr/>
+        </p:nvPicPr>
+        <p:blipFill rotWithShape="1">
+          <a:blip r:embed="rId2"/>
+          <a:srcRect l="1349" t="35005" r="2459" b="50224"/>
+          <a:stretch/>
+        </p:blipFill>
+        <p:spPr>
+          <a:xfrm>
+            <a:off x="1123987" y="2837183"/>
+            <a:ext cx="10160237" cy="1194743"/>
+          </a:xfrm>
+          <a:prstGeom prst="rect">
+            <a:avLst/>
+          </a:prstGeom>
+          <a:ln>
+            <a:noFill/>
+          </a:ln>
+          <a:effectLst>
+            <a:outerShdw blurRad="292100" dist="139700" dir="2700000" algn="tl" rotWithShape="0">
+              <a:srgbClr val="333333">
+                <a:alpha val="65000"/>
+              </a:srgbClr>
+            </a:outerShdw>
+          </a:effectLst>
+        </p:spPr>
+      </p:pic>
+      <p:pic>
+        <p:nvPicPr>
+          <p:cNvPr id="5" name="Marcador de Posição de Conteúdo 9">
+            <a:extLst>
+              <a:ext uri="{FF2B5EF4-FFF2-40B4-BE49-F238E27FC236}">
+                <a16:creationId xmlns:a16="http://schemas.microsoft.com/office/drawing/2014/main" id="{6C1892D6-0274-4FB5-AE2D-4428ECD32C23}"/>
+              </a:ext>
+            </a:extLst>
+          </p:cNvPr>
+          <p:cNvPicPr>
+            <a:picLocks noChangeAspect="1"/>
+          </p:cNvPicPr>
+          <p:nvPr/>
+        </p:nvPicPr>
+        <p:blipFill rotWithShape="1">
+          <a:blip r:embed="rId2"/>
+          <a:srcRect l="1719" t="57188" r="2644" b="29289"/>
+          <a:stretch/>
+        </p:blipFill>
+        <p:spPr>
+          <a:xfrm>
+            <a:off x="1123987" y="4185494"/>
+            <a:ext cx="10160237" cy="1077229"/>
+          </a:xfrm>
+          <a:prstGeom prst="rect">
+            <a:avLst/>
+          </a:prstGeom>
+          <a:ln>
+            <a:noFill/>
+          </a:ln>
+          <a:effectLst>
+            <a:outerShdw blurRad="292100" dist="139700" dir="2700000" algn="tl" rotWithShape="0">
+              <a:srgbClr val="333333">
+                <a:alpha val="65000"/>
+              </a:srgbClr>
+            </a:outerShdw>
+          </a:effectLst>
+        </p:spPr>
+      </p:pic>
+      <p:pic>
+        <p:nvPicPr>
+          <p:cNvPr id="6" name="Marcador de Posição de Conteúdo 9">
+            <a:extLst>
+              <a:ext uri="{FF2B5EF4-FFF2-40B4-BE49-F238E27FC236}">
+                <a16:creationId xmlns:a16="http://schemas.microsoft.com/office/drawing/2014/main" id="{6E69FA6E-EA99-4AD2-805E-97318A2253C7}"/>
+              </a:ext>
+            </a:extLst>
+          </p:cNvPr>
+          <p:cNvPicPr>
+            <a:picLocks noChangeAspect="1"/>
+          </p:cNvPicPr>
+          <p:nvPr/>
+        </p:nvPicPr>
+        <p:blipFill rotWithShape="1">
+          <a:blip r:embed="rId2"/>
+          <a:srcRect l="1719" t="79639" r="3568" b="7541"/>
+          <a:stretch/>
+        </p:blipFill>
+        <p:spPr>
+          <a:xfrm>
+            <a:off x="1123987" y="5407666"/>
+            <a:ext cx="10160237" cy="1031165"/>
+          </a:xfrm>
+          <a:prstGeom prst="rect">
+            <a:avLst/>
+          </a:prstGeom>
+          <a:ln>
+            <a:noFill/>
+          </a:ln>
+          <a:effectLst>
+            <a:outerShdw blurRad="292100" dist="139700" dir="2700000" algn="tl" rotWithShape="0">
+              <a:srgbClr val="333333">
+                <a:alpha val="65000"/>
+              </a:srgbClr>
+            </a:outerShdw>
+          </a:effectLst>
+        </p:spPr>
+      </p:pic>
+    </p:spTree>
+    <p:extLst>
+      <p:ext uri="{BB962C8B-B14F-4D97-AF65-F5344CB8AC3E}">
+        <p14:creationId xmlns:p14="http://schemas.microsoft.com/office/powerpoint/2010/main" val="1629175863"/>
+      </p:ext>
+    </p:extLst>
+  </p:cSld>
+  <p:clrMapOvr>
+    <a:masterClrMapping/>
+  </p:clrMapOvr>
+</p:sld>
+</file>
+
+<file path=ppt/slides/slide7.xml><?xml version="1.0" encoding="utf-8"?>
+<p:sld xmlns:a="http://schemas.openxmlformats.org/drawingml/2006/main" xmlns:r="http://schemas.openxmlformats.org/officeDocument/2006/relationships" xmlns:p="http://schemas.openxmlformats.org/presentationml/2006/main">
+  <p:cSld>
+    <p:spTree>
+      <p:nvGrpSpPr>
+        <p:cNvPr id="1" name=""/>
+        <p:cNvGrpSpPr/>
+        <p:nvPr/>
+      </p:nvGrpSpPr>
+      <p:grpSpPr>
+        <a:xfrm>
+          <a:off x="0" y="0"/>
+          <a:ext cx="0" cy="0"/>
+          <a:chOff x="0" y="0"/>
+          <a:chExt cx="0" cy="0"/>
+        </a:xfrm>
+      </p:grpSpPr>
+      <p:sp>
+        <p:nvSpPr>
+          <p:cNvPr id="2" name="Título 1">
+            <a:extLst>
+              <a:ext uri="{FF2B5EF4-FFF2-40B4-BE49-F238E27FC236}">
+                <a16:creationId xmlns:a16="http://schemas.microsoft.com/office/drawing/2014/main" id="{B3C00B55-9D95-4886-B512-08D7D2524729}"/>
+              </a:ext>
+            </a:extLst>
+          </p:cNvPr>
+          <p:cNvSpPr txBox="1">
+            <a:spLocks/>
+          </p:cNvSpPr>
+          <p:nvPr/>
+        </p:nvSpPr>
+        <p:spPr>
+          <a:xfrm>
+            <a:off x="1728303" y="2426636"/>
+            <a:ext cx="8443683" cy="4648847"/>
+          </a:xfrm>
+          <a:prstGeom prst="rect">
+            <a:avLst/>
+          </a:prstGeom>
+        </p:spPr>
+        <p:txBody>
+          <a:bodyPr>
+            <a:normAutofit/>
+          </a:bodyPr>
+          <a:lstStyle>
+            <a:lvl1pPr algn="r" defTabSz="914400" rtl="0" eaLnBrk="1" latinLnBrk="0" hangingPunct="1">
+              <a:lnSpc>
+                <a:spcPct val="90000"/>
+              </a:lnSpc>
+              <a:spcBef>
+                <a:spcPct val="0"/>
+              </a:spcBef>
+              <a:buNone/>
+              <a:defRPr sz="3400" b="0" i="0" kern="1200" cap="none">
+                <a:solidFill>
+                  <a:schemeClr val="tx1"/>
+                </a:solidFill>
+                <a:effectLst/>
+                <a:latin typeface="+mj-lt"/>
+                <a:ea typeface="+mj-ea"/>
+                <a:cs typeface="+mj-cs"/>
+              </a:defRPr>
+            </a:lvl1pPr>
+          </a:lstStyle>
+          <a:p>
+            <a:pPr algn="ctr"/>
+            <a:r>
+              <a:rPr lang="pt-PT" sz="6000" dirty="0">
+                <a:solidFill>
+                  <a:srgbClr val="CDDDF0"/>
+                </a:solidFill>
+                <a:latin typeface="Arial Black" panose="020B0A04020102020204" pitchFamily="34" charset="0"/>
+              </a:rPr>
+              <a:t>MODELO DE DADOS MODELO EA</a:t>
+            </a:r>
+          </a:p>
+        </p:txBody>
+      </p:sp>
+    </p:spTree>
+    <p:extLst>
+      <p:ext uri="{BB962C8B-B14F-4D97-AF65-F5344CB8AC3E}">
+        <p14:creationId xmlns:p14="http://schemas.microsoft.com/office/powerpoint/2010/main" val="1279336243"/>
+      </p:ext>
+    </p:extLst>
+  </p:cSld>
+  <p:clrMapOvr>
+    <a:masterClrMapping/>
+  </p:clrMapOvr>
+</p:sld>
+</file>
+
+<file path=ppt/slides/slide8.xml><?xml version="1.0" encoding="utf-8"?>
+<p:sld xmlns:a="http://schemas.openxmlformats.org/drawingml/2006/main" xmlns:r="http://schemas.openxmlformats.org/officeDocument/2006/relationships" xmlns:p="http://schemas.openxmlformats.org/presentationml/2006/main">
+  <p:cSld>
+    <p:spTree>
+      <p:nvGrpSpPr>
+        <p:cNvPr id="1" name=""/>
+        <p:cNvGrpSpPr/>
+        <p:nvPr/>
+      </p:nvGrpSpPr>
+      <p:grpSpPr>
+        <a:xfrm>
+          <a:off x="0" y="0"/>
+          <a:ext cx="0" cy="0"/>
+          <a:chOff x="0" y="0"/>
+          <a:chExt cx="0" cy="0"/>
+        </a:xfrm>
+      </p:grpSpPr>
+      <p:sp>
+        <p:nvSpPr>
+          <p:cNvPr id="2" name="Título 1">
+            <a:extLst>
+              <a:ext uri="{FF2B5EF4-FFF2-40B4-BE49-F238E27FC236}">
+                <a16:creationId xmlns:a16="http://schemas.microsoft.com/office/drawing/2014/main" id="{49A1DFD6-D944-45D3-A060-8B3E03A848B0}"/>
+              </a:ext>
+            </a:extLst>
+          </p:cNvPr>
+          <p:cNvSpPr>
+            <a:spLocks noGrp="1"/>
+          </p:cNvSpPr>
+          <p:nvPr>
+            <p:ph type="title"/>
+          </p:nvPr>
+        </p:nvSpPr>
+        <p:spPr>
+          <a:xfrm>
+            <a:off x="921025" y="1"/>
+            <a:ext cx="10349947" cy="609600"/>
+          </a:xfrm>
+        </p:spPr>
+        <p:txBody>
+          <a:bodyPr/>
+          <a:lstStyle/>
+          <a:p>
+            <a:pPr algn="ctr"/>
+            <a:r>
+              <a:rPr lang="pt-PT" dirty="0">
+                <a:solidFill>
+                  <a:srgbClr val="CDDDF0"/>
+                </a:solidFill>
+              </a:rPr>
+              <a:t>Modelo de Dados – Modelo EA</a:t>
+            </a:r>
+          </a:p>
+        </p:txBody>
+      </p:sp>
+      <p:pic>
+        <p:nvPicPr>
+          <p:cNvPr id="10" name="Marcador de Posição de Conteúdo 9">
+            <a:extLst>
+              <a:ext uri="{FF2B5EF4-FFF2-40B4-BE49-F238E27FC236}">
+                <a16:creationId xmlns:a16="http://schemas.microsoft.com/office/drawing/2014/main" id="{1BFEC46C-C161-41C5-84DA-50FCD6DC1238}"/>
+              </a:ext>
+            </a:extLst>
+          </p:cNvPr>
+          <p:cNvPicPr>
+            <a:picLocks noGrp="1" noChangeAspect="1"/>
+          </p:cNvPicPr>
+          <p:nvPr>
+            <p:ph idx="1"/>
+          </p:nvPr>
+        </p:nvPicPr>
+        <p:blipFill>
+          <a:blip r:embed="rId2"/>
+          <a:stretch>
+            <a:fillRect/>
+          </a:stretch>
+        </p:blipFill>
+        <p:spPr>
+          <a:xfrm>
+            <a:off x="0" y="0"/>
+            <a:ext cx="12192000" cy="6857999"/>
+          </a:xfrm>
+        </p:spPr>
+      </p:pic>
+    </p:spTree>
+    <p:extLst>
+      <p:ext uri="{BB962C8B-B14F-4D97-AF65-F5344CB8AC3E}">
+        <p14:creationId xmlns:p14="http://schemas.microsoft.com/office/powerpoint/2010/main" val="3279718890"/>
       </p:ext>
     </p:extLst>
   </p:cSld>
